--- a/SOLID_PRINCIPLE/Document/Interface-Segregation-Principle.pptx
+++ b/SOLID_PRINCIPLE/Document/Interface-Segregation-Principle.pptx
@@ -201,7 +201,7 @@
           <a:p>
             <a:fld id="{56839527-4B83-47E5-BB88-C67F26ADCB16}" type="datetimeFigureOut">
               <a:rPr lang="en-US" smtClean="0"/>
-              <a:t>7/26/2020</a:t>
+              <a:t>7/29/2020</a:t>
             </a:fld>
             <a:endParaRPr lang="en-US"/>
           </a:p>
@@ -795,7 +795,7 @@
           <a:p>
             <a:fld id="{77F3E75C-F424-4448-AF40-91DA13DFC331}" type="datetimeFigureOut">
               <a:rPr lang="en-US" smtClean="0"/>
-              <a:t>7/26/2020</a:t>
+              <a:t>7/29/2020</a:t>
             </a:fld>
             <a:endParaRPr lang="en-US"/>
           </a:p>
@@ -1003,7 +1003,7 @@
           <a:p>
             <a:fld id="{77F3E75C-F424-4448-AF40-91DA13DFC331}" type="datetimeFigureOut">
               <a:rPr lang="en-US" smtClean="0"/>
-              <a:t>7/26/2020</a:t>
+              <a:t>7/29/2020</a:t>
             </a:fld>
             <a:endParaRPr lang="en-US"/>
           </a:p>
@@ -1259,7 +1259,7 @@
           <a:p>
             <a:fld id="{77F3E75C-F424-4448-AF40-91DA13DFC331}" type="datetimeFigureOut">
               <a:rPr lang="en-US" smtClean="0"/>
-              <a:t>7/26/2020</a:t>
+              <a:t>7/29/2020</a:t>
             </a:fld>
             <a:endParaRPr lang="en-US"/>
           </a:p>
@@ -1433,7 +1433,7 @@
           <a:p>
             <a:fld id="{77F3E75C-F424-4448-AF40-91DA13DFC331}" type="datetimeFigureOut">
               <a:rPr lang="en-US" smtClean="0"/>
-              <a:t>7/26/2020</a:t>
+              <a:t>7/29/2020</a:t>
             </a:fld>
             <a:endParaRPr lang="en-US"/>
           </a:p>
@@ -1776,7 +1776,7 @@
           <a:p>
             <a:fld id="{77F3E75C-F424-4448-AF40-91DA13DFC331}" type="datetimeFigureOut">
               <a:rPr lang="en-US" smtClean="0"/>
-              <a:t>7/26/2020</a:t>
+              <a:t>7/29/2020</a:t>
             </a:fld>
             <a:endParaRPr lang="en-US"/>
           </a:p>
@@ -2051,7 +2051,7 @@
           <a:p>
             <a:fld id="{77F3E75C-F424-4448-AF40-91DA13DFC331}" type="datetimeFigureOut">
               <a:rPr lang="en-US" smtClean="0"/>
-              <a:t>7/26/2020</a:t>
+              <a:t>7/29/2020</a:t>
             </a:fld>
             <a:endParaRPr lang="en-US"/>
           </a:p>
@@ -2430,7 +2430,7 @@
           <a:p>
             <a:fld id="{77F3E75C-F424-4448-AF40-91DA13DFC331}" type="datetimeFigureOut">
               <a:rPr lang="en-US" smtClean="0"/>
-              <a:t>7/26/2020</a:t>
+              <a:t>7/29/2020</a:t>
             </a:fld>
             <a:endParaRPr lang="en-US"/>
           </a:p>
@@ -2548,7 +2548,7 @@
           <a:p>
             <a:fld id="{77F3E75C-F424-4448-AF40-91DA13DFC331}" type="datetimeFigureOut">
               <a:rPr lang="en-US" smtClean="0"/>
-              <a:t>7/26/2020</a:t>
+              <a:t>7/29/2020</a:t>
             </a:fld>
             <a:endParaRPr lang="en-US"/>
           </a:p>
@@ -2719,7 +2719,7 @@
           <a:p>
             <a:fld id="{77F3E75C-F424-4448-AF40-91DA13DFC331}" type="datetimeFigureOut">
               <a:rPr lang="en-US" smtClean="0"/>
-              <a:t>7/26/2020</a:t>
+              <a:t>7/29/2020</a:t>
             </a:fld>
             <a:endParaRPr lang="en-US"/>
           </a:p>
@@ -3073,7 +3073,7 @@
           <a:p>
             <a:fld id="{77F3E75C-F424-4448-AF40-91DA13DFC331}" type="datetimeFigureOut">
               <a:rPr lang="en-US" smtClean="0"/>
-              <a:t>7/26/2020</a:t>
+              <a:t>7/29/2020</a:t>
             </a:fld>
             <a:endParaRPr lang="en-US"/>
           </a:p>
@@ -3455,7 +3455,7 @@
           <a:p>
             <a:fld id="{77F3E75C-F424-4448-AF40-91DA13DFC331}" type="datetimeFigureOut">
               <a:rPr lang="en-US" smtClean="0"/>
-              <a:t>7/26/2020</a:t>
+              <a:t>7/29/2020</a:t>
             </a:fld>
             <a:endParaRPr lang="en-US"/>
           </a:p>
@@ -3742,7 +3742,7 @@
           <a:p>
             <a:fld id="{77F3E75C-F424-4448-AF40-91DA13DFC331}" type="datetimeFigureOut">
               <a:rPr lang="en-US" smtClean="0"/>
-              <a:t>7/26/2020</a:t>
+              <a:t>7/29/2020</a:t>
             </a:fld>
             <a:endParaRPr lang="en-US"/>
           </a:p>
@@ -4325,23 +4325,7 @@
                   <a:srgbClr val="FF0000"/>
                 </a:solidFill>
               </a:rPr>
-              <a:t>SOLID DESIGN PRINCIPLES - </a:t>
-            </a:r>
-            <a:r>
-              <a:rPr lang="en-US" b="1" dirty="0" smtClean="0">
-                <a:solidFill>
-                  <a:srgbClr val="FF0000"/>
-                </a:solidFill>
-              </a:rPr>
-              <a:t>#4 Interface Segregation </a:t>
-            </a:r>
-            <a:r>
-              <a:rPr lang="en-US" b="1" dirty="0" smtClean="0">
-                <a:solidFill>
-                  <a:srgbClr val="FF0000"/>
-                </a:solidFill>
-              </a:rPr>
-              <a:t>PRINCIPLE</a:t>
+              <a:t>SOLID DESIGN PRINCIPLES - #4 Interface Segregation PRINCIPLE</a:t>
             </a:r>
             <a:endParaRPr lang="en-US" b="1" dirty="0">
               <a:solidFill>
@@ -4665,181 +4649,9 @@
   <p:timing>
     <p:tnLst>
       <p:par>
-        <p:cTn id="1" dur="indefinite" restart="never" nodeType="tmRoot">
-          <p:childTnLst>
-            <p:seq concurrent="1" nextAc="seek">
-              <p:cTn id="2" dur="indefinite" nodeType="mainSeq">
-                <p:childTnLst>
-                  <p:par>
-                    <p:cTn id="3" fill="hold">
-                      <p:stCondLst>
-                        <p:cond delay="indefinite"/>
-                        <p:cond evt="onBegin" delay="0">
-                          <p:tn val="2"/>
-                        </p:cond>
-                      </p:stCondLst>
-                      <p:childTnLst>
-                        <p:par>
-                          <p:cTn id="4" fill="hold">
-                            <p:stCondLst>
-                              <p:cond delay="0"/>
-                            </p:stCondLst>
-                            <p:childTnLst>
-                              <p:par>
-                                <p:cTn id="5" presetID="6" presetClass="entr" presetSubtype="16" fill="hold" grpId="0" nodeType="withEffect">
-                                  <p:stCondLst>
-                                    <p:cond delay="0"/>
-                                  </p:stCondLst>
-                                  <p:childTnLst>
-                                    <p:set>
-                                      <p:cBhvr>
-                                        <p:cTn id="6" dur="1" fill="hold">
-                                          <p:stCondLst>
-                                            <p:cond delay="0"/>
-                                          </p:stCondLst>
-                                        </p:cTn>
-                                        <p:tgtEl>
-                                          <p:spTgt spid="2"/>
-                                        </p:tgtEl>
-                                        <p:attrNameLst>
-                                          <p:attrName>style.visibility</p:attrName>
-                                        </p:attrNameLst>
-                                      </p:cBhvr>
-                                      <p:to>
-                                        <p:strVal val="visible"/>
-                                      </p:to>
-                                    </p:set>
-                                    <p:animEffect transition="in" filter="circle(in)">
-                                      <p:cBhvr>
-                                        <p:cTn id="7" dur="2000"/>
-                                        <p:tgtEl>
-                                          <p:spTgt spid="2"/>
-                                        </p:tgtEl>
-                                      </p:cBhvr>
-                                    </p:animEffect>
-                                  </p:childTnLst>
-                                </p:cTn>
-                              </p:par>
-                            </p:childTnLst>
-                          </p:cTn>
-                        </p:par>
-                      </p:childTnLst>
-                    </p:cTn>
-                  </p:par>
-                  <p:par>
-                    <p:cTn id="8" fill="hold">
-                      <p:stCondLst>
-                        <p:cond delay="indefinite"/>
-                      </p:stCondLst>
-                      <p:childTnLst>
-                        <p:par>
-                          <p:cTn id="9" fill="hold">
-                            <p:stCondLst>
-                              <p:cond delay="0"/>
-                            </p:stCondLst>
-                            <p:childTnLst>
-                              <p:par>
-                                <p:cTn id="10" presetID="6" presetClass="entr" presetSubtype="16" fill="hold" grpId="0" nodeType="clickEffect">
-                                  <p:stCondLst>
-                                    <p:cond delay="0"/>
-                                  </p:stCondLst>
-                                  <p:childTnLst>
-                                    <p:set>
-                                      <p:cBhvr>
-                                        <p:cTn id="11" dur="1" fill="hold">
-                                          <p:stCondLst>
-                                            <p:cond delay="0"/>
-                                          </p:stCondLst>
-                                        </p:cTn>
-                                        <p:tgtEl>
-                                          <p:spTgt spid="8"/>
-                                        </p:tgtEl>
-                                        <p:attrNameLst>
-                                          <p:attrName>style.visibility</p:attrName>
-                                        </p:attrNameLst>
-                                      </p:cBhvr>
-                                      <p:to>
-                                        <p:strVal val="visible"/>
-                                      </p:to>
-                                    </p:set>
-                                    <p:animEffect transition="in" filter="circle(in)">
-                                      <p:cBhvr>
-                                        <p:cTn id="12" dur="2000"/>
-                                        <p:tgtEl>
-                                          <p:spTgt spid="8"/>
-                                        </p:tgtEl>
-                                      </p:cBhvr>
-                                    </p:animEffect>
-                                  </p:childTnLst>
-                                </p:cTn>
-                              </p:par>
-                              <p:par>
-                                <p:cTn id="13" presetID="6" presetClass="entr" presetSubtype="16" fill="hold" grpId="0" nodeType="withEffect">
-                                  <p:stCondLst>
-                                    <p:cond delay="0"/>
-                                  </p:stCondLst>
-                                  <p:childTnLst>
-                                    <p:set>
-                                      <p:cBhvr>
-                                        <p:cTn id="14" dur="1" fill="hold">
-                                          <p:stCondLst>
-                                            <p:cond delay="0"/>
-                                          </p:stCondLst>
-                                        </p:cTn>
-                                        <p:tgtEl>
-                                          <p:spTgt spid="10"/>
-                                        </p:tgtEl>
-                                        <p:attrNameLst>
-                                          <p:attrName>style.visibility</p:attrName>
-                                        </p:attrNameLst>
-                                      </p:cBhvr>
-                                      <p:to>
-                                        <p:strVal val="visible"/>
-                                      </p:to>
-                                    </p:set>
-                                    <p:animEffect transition="in" filter="circle(in)">
-                                      <p:cBhvr>
-                                        <p:cTn id="15" dur="2000"/>
-                                        <p:tgtEl>
-                                          <p:spTgt spid="10"/>
-                                        </p:tgtEl>
-                                      </p:cBhvr>
-                                    </p:animEffect>
-                                  </p:childTnLst>
-                                </p:cTn>
-                              </p:par>
-                            </p:childTnLst>
-                          </p:cTn>
-                        </p:par>
-                      </p:childTnLst>
-                    </p:cTn>
-                  </p:par>
-                </p:childTnLst>
-              </p:cTn>
-              <p:prevCondLst>
-                <p:cond evt="onPrev" delay="0">
-                  <p:tgtEl>
-                    <p:sldTgt/>
-                  </p:tgtEl>
-                </p:cond>
-              </p:prevCondLst>
-              <p:nextCondLst>
-                <p:cond evt="onNext" delay="0">
-                  <p:tgtEl>
-                    <p:sldTgt/>
-                  </p:tgtEl>
-                </p:cond>
-              </p:nextCondLst>
-            </p:seq>
-          </p:childTnLst>
-        </p:cTn>
+        <p:cTn id="1" dur="indefinite" restart="never" nodeType="tmRoot"/>
       </p:par>
     </p:tnLst>
-    <p:bldLst>
-      <p:bldP spid="2" grpId="0"/>
-      <p:bldP spid="8" grpId="0"/>
-      <p:bldP spid="10" grpId="0"/>
-    </p:bldLst>
   </p:timing>
 </p:sld>
 </file>
@@ -4934,91 +4746,9 @@
   <p:timing>
     <p:tnLst>
       <p:par>
-        <p:cTn id="1" dur="indefinite" restart="never" nodeType="tmRoot">
-          <p:childTnLst>
-            <p:seq concurrent="1" nextAc="seek">
-              <p:cTn id="2" dur="indefinite" nodeType="mainSeq">
-                <p:childTnLst>
-                  <p:par>
-                    <p:cTn id="3" fill="hold">
-                      <p:stCondLst>
-                        <p:cond delay="indefinite"/>
-                        <p:cond evt="onBegin" delay="0">
-                          <p:tn val="2"/>
-                        </p:cond>
-                      </p:stCondLst>
-                      <p:childTnLst>
-                        <p:par>
-                          <p:cTn id="4" fill="hold">
-                            <p:stCondLst>
-                              <p:cond delay="0"/>
-                            </p:stCondLst>
-                            <p:childTnLst>
-                              <p:par>
-                                <p:cTn id="5" presetID="6" presetClass="entr" presetSubtype="16" fill="hold" grpId="0" nodeType="withEffect">
-                                  <p:stCondLst>
-                                    <p:cond delay="0"/>
-                                  </p:stCondLst>
-                                  <p:childTnLst>
-                                    <p:set>
-                                      <p:cBhvr>
-                                        <p:cTn id="6" dur="1" fill="hold">
-                                          <p:stCondLst>
-                                            <p:cond delay="0"/>
-                                          </p:stCondLst>
-                                        </p:cTn>
-                                        <p:tgtEl>
-                                          <p:spTgt spid="2"/>
-                                        </p:tgtEl>
-                                        <p:attrNameLst>
-                                          <p:attrName>style.visibility</p:attrName>
-                                        </p:attrNameLst>
-                                      </p:cBhvr>
-                                      <p:to>
-                                        <p:strVal val="visible"/>
-                                      </p:to>
-                                    </p:set>
-                                    <p:animEffect transition="in" filter="circle(in)">
-                                      <p:cBhvr>
-                                        <p:cTn id="7" dur="2000"/>
-                                        <p:tgtEl>
-                                          <p:spTgt spid="2"/>
-                                        </p:tgtEl>
-                                      </p:cBhvr>
-                                    </p:animEffect>
-                                  </p:childTnLst>
-                                </p:cTn>
-                              </p:par>
-                            </p:childTnLst>
-                          </p:cTn>
-                        </p:par>
-                      </p:childTnLst>
-                    </p:cTn>
-                  </p:par>
-                </p:childTnLst>
-              </p:cTn>
-              <p:prevCondLst>
-                <p:cond evt="onPrev" delay="0">
-                  <p:tgtEl>
-                    <p:sldTgt/>
-                  </p:tgtEl>
-                </p:cond>
-              </p:prevCondLst>
-              <p:nextCondLst>
-                <p:cond evt="onNext" delay="0">
-                  <p:tgtEl>
-                    <p:sldTgt/>
-                  </p:tgtEl>
-                </p:cond>
-              </p:nextCondLst>
-            </p:seq>
-          </p:childTnLst>
-        </p:cTn>
+        <p:cTn id="1" dur="indefinite" restart="never" nodeType="tmRoot"/>
       </p:par>
     </p:tnLst>
-    <p:bldLst>
-      <p:bldP spid="2" grpId="0"/>
-    </p:bldLst>
   </p:timing>
 </p:sld>
 </file>
@@ -5064,11 +4794,7 @@
           <a:p>
             <a:r>
               <a:rPr lang="en-US" sz="2200" b="1" dirty="0" smtClean="0"/>
-              <a:t>START </a:t>
-            </a:r>
-            <a:r>
-              <a:rPr lang="en-US" sz="2200" b="1" dirty="0" smtClean="0"/>
-              <a:t>CODING DEVELOPER ACTIVITY PROGRAM</a:t>
+              <a:t>START CODING DEVELOPER ACTIVITY PROGRAM</a:t>
             </a:r>
             <a:endParaRPr lang="en-US" sz="2200" b="1" dirty="0"/>
           </a:p>
@@ -5098,11 +4824,7 @@
           <a:p>
             <a:r>
               <a:rPr lang="en-US" sz="2200" dirty="0" smtClean="0"/>
-              <a:t>Write a program uses C# language in console mode to </a:t>
-            </a:r>
-            <a:r>
-              <a:rPr lang="en-US" sz="2200" dirty="0" smtClean="0"/>
-              <a:t>demonstrate Dev Activity:</a:t>
+              <a:t>Write a program uses C# language in console mode to demonstrate Dev Activity:</a:t>
             </a:r>
           </a:p>
           <a:p>
@@ -5168,7 +4890,6 @@
               <a:rPr lang="en-US" sz="2200" dirty="0" smtClean="0"/>
               <a:t>()</a:t>
             </a:r>
-            <a:endParaRPr lang="en-US" sz="2200" dirty="0" smtClean="0"/>
           </a:p>
         </p:txBody>
       </p:sp>
@@ -5185,134 +4906,9 @@
   <p:timing>
     <p:tnLst>
       <p:par>
-        <p:cTn id="1" dur="indefinite" restart="never" nodeType="tmRoot">
-          <p:childTnLst>
-            <p:seq concurrent="1" nextAc="seek">
-              <p:cTn id="2" dur="indefinite" nodeType="mainSeq">
-                <p:childTnLst>
-                  <p:par>
-                    <p:cTn id="3" fill="hold">
-                      <p:stCondLst>
-                        <p:cond delay="indefinite"/>
-                      </p:stCondLst>
-                      <p:childTnLst>
-                        <p:par>
-                          <p:cTn id="4" fill="hold">
-                            <p:stCondLst>
-                              <p:cond delay="0"/>
-                            </p:stCondLst>
-                            <p:childTnLst>
-                              <p:par>
-                                <p:cTn id="5" presetID="42" presetClass="entr" presetSubtype="0" fill="hold" grpId="0" nodeType="clickEffect">
-                                  <p:stCondLst>
-                                    <p:cond delay="0"/>
-                                  </p:stCondLst>
-                                  <p:childTnLst>
-                                    <p:set>
-                                      <p:cBhvr>
-                                        <p:cTn id="6" dur="1" fill="hold">
-                                          <p:stCondLst>
-                                            <p:cond delay="0"/>
-                                          </p:stCondLst>
-                                        </p:cTn>
-                                        <p:tgtEl>
-                                          <p:spTgt spid="3"/>
-                                        </p:tgtEl>
-                                        <p:attrNameLst>
-                                          <p:attrName>style.visibility</p:attrName>
-                                        </p:attrNameLst>
-                                      </p:cBhvr>
-                                      <p:to>
-                                        <p:strVal val="visible"/>
-                                      </p:to>
-                                    </p:set>
-                                    <p:animEffect transition="in" filter="fade">
-                                      <p:cBhvr>
-                                        <p:cTn id="7" dur="1000"/>
-                                        <p:tgtEl>
-                                          <p:spTgt spid="3"/>
-                                        </p:tgtEl>
-                                      </p:cBhvr>
-                                    </p:animEffect>
-                                    <p:anim calcmode="lin" valueType="num">
-                                      <p:cBhvr>
-                                        <p:cTn id="8" dur="1000" fill="hold"/>
-                                        <p:tgtEl>
-                                          <p:spTgt spid="3"/>
-                                        </p:tgtEl>
-                                        <p:attrNameLst>
-                                          <p:attrName>ppt_x</p:attrName>
-                                        </p:attrNameLst>
-                                      </p:cBhvr>
-                                      <p:tavLst>
-                                        <p:tav tm="0">
-                                          <p:val>
-                                            <p:strVal val="#ppt_x"/>
-                                          </p:val>
-                                        </p:tav>
-                                        <p:tav tm="100000">
-                                          <p:val>
-                                            <p:strVal val="#ppt_x"/>
-                                          </p:val>
-                                        </p:tav>
-                                      </p:tavLst>
-                                    </p:anim>
-                                    <p:anim calcmode="lin" valueType="num">
-                                      <p:cBhvr>
-                                        <p:cTn id="9" dur="1000" fill="hold"/>
-                                        <p:tgtEl>
-                                          <p:spTgt spid="3"/>
-                                        </p:tgtEl>
-                                        <p:attrNameLst>
-                                          <p:attrName>ppt_y</p:attrName>
-                                        </p:attrNameLst>
-                                      </p:cBhvr>
-                                      <p:tavLst>
-                                        <p:tav tm="0">
-                                          <p:val>
-                                            <p:strVal val="#ppt_y+.1"/>
-                                          </p:val>
-                                        </p:tav>
-                                        <p:tav tm="100000">
-                                          <p:val>
-                                            <p:strVal val="#ppt_y"/>
-                                          </p:val>
-                                        </p:tav>
-                                      </p:tavLst>
-                                    </p:anim>
-                                  </p:childTnLst>
-                                </p:cTn>
-                              </p:par>
-                            </p:childTnLst>
-                          </p:cTn>
-                        </p:par>
-                      </p:childTnLst>
-                    </p:cTn>
-                  </p:par>
-                </p:childTnLst>
-              </p:cTn>
-              <p:prevCondLst>
-                <p:cond evt="onPrev" delay="0">
-                  <p:tgtEl>
-                    <p:sldTgt/>
-                  </p:tgtEl>
-                </p:cond>
-              </p:prevCondLst>
-              <p:nextCondLst>
-                <p:cond evt="onNext" delay="0">
-                  <p:tgtEl>
-                    <p:sldTgt/>
-                  </p:tgtEl>
-                </p:cond>
-              </p:nextCondLst>
-            </p:seq>
-          </p:childTnLst>
-        </p:cTn>
+        <p:cTn id="1" dur="indefinite" restart="never" nodeType="tmRoot"/>
       </p:par>
     </p:tnLst>
-    <p:bldLst>
-      <p:bldP spid="3" grpId="0"/>
-    </p:bldLst>
   </p:timing>
 </p:sld>
 </file>
